--- a/products/facilities/regional-offices/research/2022-8-veteran-facing/VBA_research_readout.pptx
+++ b/products/facilities/regional-offices/research/2022-8-veteran-facing/VBA_research_readout.pptx
@@ -5,7 +5,7 @@
     <p:sldMasterId id="2147483673" r:id="rId1"/>
   </p:sldMasterIdLst>
   <p:notesMasterIdLst>
-    <p:notesMasterId r:id="rId18"/>
+    <p:notesMasterId r:id="rId19"/>
   </p:notesMasterIdLst>
   <p:sldIdLst>
     <p:sldId id="256" r:id="rId2"/>
@@ -22,8 +22,9 @@
     <p:sldId id="264" r:id="rId13"/>
     <p:sldId id="265" r:id="rId14"/>
     <p:sldId id="271" r:id="rId15"/>
-    <p:sldId id="266" r:id="rId16"/>
-    <p:sldId id="267" r:id="rId17"/>
+    <p:sldId id="272" r:id="rId16"/>
+    <p:sldId id="266" r:id="rId17"/>
+    <p:sldId id="267" r:id="rId18"/>
   </p:sldIdLst>
   <p:sldSz cx="9144000" cy="5143500" type="screen16x9"/>
   <p:notesSz cx="6858000" cy="9144000"/>
@@ -1410,6 +1411,115 @@
   <p:cSld>
     <p:spTree>
       <p:nvGrpSpPr>
+        <p:cNvPr id="1" name="Shape 261"/>
+        <p:cNvGrpSpPr/>
+        <p:nvPr/>
+      </p:nvGrpSpPr>
+      <p:grpSpPr>
+        <a:xfrm>
+          <a:off x="0" y="0"/>
+          <a:ext cx="0" cy="0"/>
+          <a:chOff x="0" y="0"/>
+          <a:chExt cx="0" cy="0"/>
+        </a:xfrm>
+      </p:grpSpPr>
+      <p:sp>
+        <p:nvSpPr>
+          <p:cNvPr id="262" name="Google Shape;262;g1851fa0edf1_0_0:notes"/>
+          <p:cNvSpPr>
+            <a:spLocks noGrp="1" noRot="1" noChangeAspect="1"/>
+          </p:cNvSpPr>
+          <p:nvPr>
+            <p:ph type="sldImg" idx="2"/>
+          </p:nvPr>
+        </p:nvSpPr>
+        <p:spPr>
+          <a:xfrm>
+            <a:off x="381000" y="685800"/>
+            <a:ext cx="6096000" cy="3429000"/>
+          </a:xfrm>
+          <a:custGeom>
+            <a:avLst/>
+            <a:gdLst/>
+            <a:ahLst/>
+            <a:cxnLst/>
+            <a:rect l="l" t="t" r="r" b="b"/>
+            <a:pathLst>
+              <a:path w="120000" h="120000" extrusionOk="0">
+                <a:moveTo>
+                  <a:pt x="0" y="0"/>
+                </a:moveTo>
+                <a:lnTo>
+                  <a:pt x="120000" y="0"/>
+                </a:lnTo>
+                <a:lnTo>
+                  <a:pt x="120000" y="120000"/>
+                </a:lnTo>
+                <a:lnTo>
+                  <a:pt x="0" y="120000"/>
+                </a:lnTo>
+                <a:close/>
+              </a:path>
+            </a:pathLst>
+          </a:custGeom>
+        </p:spPr>
+      </p:sp>
+      <p:sp>
+        <p:nvSpPr>
+          <p:cNvPr id="263" name="Google Shape;263;g1851fa0edf1_0_0:notes"/>
+          <p:cNvSpPr txBox="1">
+            <a:spLocks noGrp="1"/>
+          </p:cNvSpPr>
+          <p:nvPr>
+            <p:ph type="body" idx="1"/>
+          </p:nvPr>
+        </p:nvSpPr>
+        <p:spPr>
+          <a:xfrm>
+            <a:off x="685800" y="4343400"/>
+            <a:ext cx="5486400" cy="4114800"/>
+          </a:xfrm>
+          <a:prstGeom prst="rect">
+            <a:avLst/>
+          </a:prstGeom>
+        </p:spPr>
+        <p:txBody>
+          <a:bodyPr spcFirstLastPara="1" wrap="square" lIns="91425" tIns="91425" rIns="91425" bIns="91425" anchor="t" anchorCtr="0">
+            <a:noAutofit/>
+          </a:bodyPr>
+          <a:lstStyle/>
+          <a:p>
+            <a:pPr marL="0" lvl="0" indent="0" algn="l" rtl="0">
+              <a:spcBef>
+                <a:spcPts val="0"/>
+              </a:spcBef>
+              <a:spcAft>
+                <a:spcPts val="0"/>
+              </a:spcAft>
+              <a:buNone/>
+            </a:pPr>
+            <a:endParaRPr/>
+          </a:p>
+        </p:txBody>
+      </p:sp>
+    </p:spTree>
+    <p:extLst>
+      <p:ext uri="{BB962C8B-B14F-4D97-AF65-F5344CB8AC3E}">
+        <p14:creationId xmlns:p14="http://schemas.microsoft.com/office/powerpoint/2010/main" val="3294334821"/>
+      </p:ext>
+    </p:extLst>
+  </p:cSld>
+  <p:clrMapOvr>
+    <a:masterClrMapping/>
+  </p:clrMapOvr>
+</p:notes>
+</file>
+
+<file path=ppt/notesSlides/notesSlide16.xml><?xml version="1.0" encoding="utf-8"?>
+<p:notes xmlns:a="http://schemas.openxmlformats.org/drawingml/2006/main" xmlns:r="http://schemas.openxmlformats.org/officeDocument/2006/relationships" xmlns:p="http://schemas.openxmlformats.org/presentationml/2006/main" showMasterSp="0" showMasterPhAnim="0">
+  <p:cSld>
+    <p:spTree>
+      <p:nvGrpSpPr>
         <p:cNvPr id="1" name="Shape 267"/>
         <p:cNvGrpSpPr/>
         <p:nvPr/>
@@ -1509,7 +1619,7 @@
 </p:notes>
 </file>
 
-<file path=ppt/notesSlides/notesSlide16.xml><?xml version="1.0" encoding="utf-8"?>
+<file path=ppt/notesSlides/notesSlide17.xml><?xml version="1.0" encoding="utf-8"?>
 <p:notes xmlns:a="http://schemas.openxmlformats.org/drawingml/2006/main" xmlns:r="http://schemas.openxmlformats.org/officeDocument/2006/relationships" xmlns:p="http://schemas.openxmlformats.org/presentationml/2006/main" showMasterSp="0" showMasterPhAnim="0">
   <p:cSld>
     <p:spTree>
@@ -25674,6 +25784,488 @@
   <p:cSld>
     <p:spTree>
       <p:nvGrpSpPr>
+        <p:cNvPr id="1" name="Shape 264"/>
+        <p:cNvGrpSpPr/>
+        <p:nvPr/>
+      </p:nvGrpSpPr>
+      <p:grpSpPr>
+        <a:xfrm>
+          <a:off x="0" y="0"/>
+          <a:ext cx="0" cy="0"/>
+          <a:chOff x="0" y="0"/>
+          <a:chExt cx="0" cy="0"/>
+        </a:xfrm>
+      </p:grpSpPr>
+      <p:sp>
+        <p:nvSpPr>
+          <p:cNvPr id="265" name="Google Shape;265;p36"/>
+          <p:cNvSpPr txBox="1">
+            <a:spLocks noGrp="1"/>
+          </p:cNvSpPr>
+          <p:nvPr>
+            <p:ph type="title"/>
+          </p:nvPr>
+        </p:nvSpPr>
+        <p:spPr>
+          <a:xfrm>
+            <a:off x="457200" y="195750"/>
+            <a:ext cx="7543800" cy="629700"/>
+          </a:xfrm>
+          <a:prstGeom prst="rect">
+            <a:avLst/>
+          </a:prstGeom>
+        </p:spPr>
+        <p:txBody>
+          <a:bodyPr spcFirstLastPara="1" wrap="square" lIns="34275" tIns="34275" rIns="34275" bIns="34275" anchor="t" anchorCtr="0">
+            <a:noAutofit/>
+          </a:bodyPr>
+          <a:lstStyle/>
+          <a:p>
+            <a:pPr marL="0" lvl="0" indent="0" algn="l" rtl="0">
+              <a:spcBef>
+                <a:spcPts val="0"/>
+              </a:spcBef>
+              <a:spcAft>
+                <a:spcPts val="0"/>
+              </a:spcAft>
+              <a:buNone/>
+            </a:pPr>
+            <a:r>
+              <a:rPr lang="en" dirty="0"/>
+              <a:t>Additional Insights</a:t>
+            </a:r>
+            <a:endParaRPr dirty="0"/>
+          </a:p>
+        </p:txBody>
+      </p:sp>
+      <p:sp>
+        <p:nvSpPr>
+          <p:cNvPr id="266" name="Google Shape;266;p36"/>
+          <p:cNvSpPr txBox="1">
+            <a:spLocks noGrp="1"/>
+          </p:cNvSpPr>
+          <p:nvPr>
+            <p:ph type="body" idx="1"/>
+          </p:nvPr>
+        </p:nvSpPr>
+        <p:spPr>
+          <a:xfrm>
+            <a:off x="457200" y="980914"/>
+            <a:ext cx="8348100" cy="3488700"/>
+          </a:xfrm>
+          <a:prstGeom prst="rect">
+            <a:avLst/>
+          </a:prstGeom>
+        </p:spPr>
+        <p:txBody>
+          <a:bodyPr spcFirstLastPara="1" wrap="square" lIns="34275" tIns="34275" rIns="34275" bIns="34275" anchor="t" anchorCtr="0">
+            <a:noAutofit/>
+          </a:bodyPr>
+          <a:lstStyle/>
+          <a:p>
+            <a:pPr marL="133350" marR="0" lvl="0" indent="0" algn="l" rtl="0">
+              <a:lnSpc>
+                <a:spcPct val="115000"/>
+              </a:lnSpc>
+              <a:spcBef>
+                <a:spcPts val="0"/>
+              </a:spcBef>
+              <a:spcAft>
+                <a:spcPts val="0"/>
+              </a:spcAft>
+              <a:buClr>
+                <a:srgbClr val="000000"/>
+              </a:buClr>
+              <a:buSzPts val="1500"/>
+              <a:buNone/>
+            </a:pPr>
+            <a:r>
+              <a:rPr lang="en-US" sz="1800" b="1" dirty="0">
+                <a:solidFill>
+                  <a:srgbClr val="000000"/>
+                </a:solidFill>
+                <a:latin typeface="Calibri" panose="020F0502020204030204" pitchFamily="34" charset="0"/>
+                <a:ea typeface="Calibri" panose="020F0502020204030204" pitchFamily="34" charset="0"/>
+                <a:cs typeface="Calibri" panose="020F0502020204030204" pitchFamily="34" charset="0"/>
+                <a:sym typeface="Source Sans Pro Light"/>
+              </a:rPr>
+              <a:t>Benefit tasks Veterans sought to complete:</a:t>
+            </a:r>
+            <a:endParaRPr lang="en-US" sz="1800" dirty="0">
+              <a:solidFill>
+                <a:srgbClr val="000000"/>
+              </a:solidFill>
+              <a:latin typeface="Calibri" panose="020F0502020204030204" pitchFamily="34" charset="0"/>
+              <a:ea typeface="Calibri" panose="020F0502020204030204" pitchFamily="34" charset="0"/>
+              <a:cs typeface="Calibri" panose="020F0502020204030204" pitchFamily="34" charset="0"/>
+              <a:sym typeface="Source Sans Pro Light"/>
+            </a:endParaRPr>
+          </a:p>
+          <a:p>
+            <a:pPr marL="457200" marR="0" lvl="0" indent="-323850" algn="l" rtl="0">
+              <a:lnSpc>
+                <a:spcPct val="115000"/>
+              </a:lnSpc>
+              <a:spcBef>
+                <a:spcPts val="0"/>
+              </a:spcBef>
+              <a:spcAft>
+                <a:spcPts val="0"/>
+              </a:spcAft>
+              <a:buClr>
+                <a:srgbClr val="000000"/>
+              </a:buClr>
+              <a:buSzPts val="1500"/>
+              <a:buFont typeface="Source Sans Pro Light"/>
+              <a:buChar char="●"/>
+            </a:pPr>
+            <a:r>
+              <a:rPr lang="en-US" sz="1800" dirty="0">
+                <a:solidFill>
+                  <a:srgbClr val="000000"/>
+                </a:solidFill>
+                <a:latin typeface="Calibri" panose="020F0502020204030204" pitchFamily="34" charset="0"/>
+                <a:ea typeface="Calibri" panose="020F0502020204030204" pitchFamily="34" charset="0"/>
+                <a:cs typeface="Calibri" panose="020F0502020204030204" pitchFamily="34" charset="0"/>
+                <a:sym typeface="Source Sans Pro Light"/>
+              </a:rPr>
+              <a:t>Increasing disability rating </a:t>
+            </a:r>
+          </a:p>
+          <a:p>
+            <a:pPr lvl="1">
+              <a:lnSpc>
+                <a:spcPct val="115000"/>
+              </a:lnSpc>
+              <a:spcBef>
+                <a:spcPts val="0"/>
+              </a:spcBef>
+              <a:buClr>
+                <a:srgbClr val="000000"/>
+              </a:buClr>
+              <a:buFont typeface="Source Sans Pro Light"/>
+              <a:buChar char="●"/>
+            </a:pPr>
+            <a:r>
+              <a:rPr lang="en-US" sz="1800" dirty="0">
+                <a:solidFill>
+                  <a:srgbClr val="000000"/>
+                </a:solidFill>
+                <a:latin typeface="Calibri" panose="020F0502020204030204" pitchFamily="34" charset="0"/>
+                <a:ea typeface="Calibri" panose="020F0502020204030204" pitchFamily="34" charset="0"/>
+                <a:cs typeface="Calibri" panose="020F0502020204030204" pitchFamily="34" charset="0"/>
+                <a:sym typeface="Source Sans Pro Light"/>
+              </a:rPr>
+              <a:t>This was the most common in our sample with 9 / 12 participants</a:t>
+            </a:r>
+          </a:p>
+          <a:p>
+            <a:pPr marL="457200" marR="0" lvl="0" indent="-323850" algn="l" rtl="0">
+              <a:lnSpc>
+                <a:spcPct val="115000"/>
+              </a:lnSpc>
+              <a:spcBef>
+                <a:spcPts val="0"/>
+              </a:spcBef>
+              <a:spcAft>
+                <a:spcPts val="0"/>
+              </a:spcAft>
+              <a:buClr>
+                <a:srgbClr val="000000"/>
+              </a:buClr>
+              <a:buSzPts val="1500"/>
+              <a:buFont typeface="Source Sans Pro Light"/>
+              <a:buChar char="●"/>
+            </a:pPr>
+            <a:r>
+              <a:rPr lang="en-US" sz="1800" dirty="0">
+                <a:solidFill>
+                  <a:srgbClr val="000000"/>
+                </a:solidFill>
+                <a:latin typeface="Calibri" panose="020F0502020204030204" pitchFamily="34" charset="0"/>
+                <a:ea typeface="Calibri" panose="020F0502020204030204" pitchFamily="34" charset="0"/>
+                <a:cs typeface="Calibri" panose="020F0502020204030204" pitchFamily="34" charset="0"/>
+                <a:sym typeface="Source Sans Pro Light"/>
+              </a:rPr>
+              <a:t>Seeking VA license plate</a:t>
+            </a:r>
+          </a:p>
+          <a:p>
+            <a:pPr marL="457200" marR="0" lvl="0" indent="-323850" algn="l" rtl="0">
+              <a:lnSpc>
+                <a:spcPct val="115000"/>
+              </a:lnSpc>
+              <a:spcBef>
+                <a:spcPts val="0"/>
+              </a:spcBef>
+              <a:spcAft>
+                <a:spcPts val="0"/>
+              </a:spcAft>
+              <a:buClr>
+                <a:srgbClr val="000000"/>
+              </a:buClr>
+              <a:buSzPts val="1500"/>
+              <a:buFont typeface="Source Sans Pro Light"/>
+              <a:buChar char="●"/>
+            </a:pPr>
+            <a:r>
+              <a:rPr lang="en-US" sz="1800" dirty="0">
+                <a:solidFill>
+                  <a:srgbClr val="000000"/>
+                </a:solidFill>
+                <a:latin typeface="Calibri" panose="020F0502020204030204" pitchFamily="34" charset="0"/>
+                <a:ea typeface="Calibri" panose="020F0502020204030204" pitchFamily="34" charset="0"/>
+                <a:cs typeface="Calibri" panose="020F0502020204030204" pitchFamily="34" charset="0"/>
+                <a:sym typeface="Source Sans Pro Light"/>
+              </a:rPr>
+              <a:t>Seeking guidance with education needs</a:t>
+            </a:r>
+          </a:p>
+          <a:p>
+            <a:pPr marL="457200" marR="0" lvl="0" indent="-323850" algn="l" rtl="0">
+              <a:lnSpc>
+                <a:spcPct val="115000"/>
+              </a:lnSpc>
+              <a:spcBef>
+                <a:spcPts val="0"/>
+              </a:spcBef>
+              <a:spcAft>
+                <a:spcPts val="0"/>
+              </a:spcAft>
+              <a:buClr>
+                <a:srgbClr val="000000"/>
+              </a:buClr>
+              <a:buSzPts val="1500"/>
+              <a:buFont typeface="Source Sans Pro Light"/>
+              <a:buChar char="●"/>
+            </a:pPr>
+            <a:r>
+              <a:rPr lang="en-US" sz="1800" dirty="0">
+                <a:solidFill>
+                  <a:srgbClr val="000000"/>
+                </a:solidFill>
+                <a:latin typeface="Calibri" panose="020F0502020204030204" pitchFamily="34" charset="0"/>
+                <a:ea typeface="Calibri" panose="020F0502020204030204" pitchFamily="34" charset="0"/>
+                <a:cs typeface="Calibri" panose="020F0502020204030204" pitchFamily="34" charset="0"/>
+                <a:sym typeface="Source Sans Pro Light"/>
+              </a:rPr>
+              <a:t>Seeking help getting name change in database</a:t>
+            </a:r>
+          </a:p>
+          <a:p>
+            <a:pPr marL="457200" marR="0" lvl="0" indent="-323850" algn="l" rtl="0">
+              <a:lnSpc>
+                <a:spcPct val="115000"/>
+              </a:lnSpc>
+              <a:spcBef>
+                <a:spcPts val="0"/>
+              </a:spcBef>
+              <a:spcAft>
+                <a:spcPts val="0"/>
+              </a:spcAft>
+              <a:buClr>
+                <a:srgbClr val="000000"/>
+              </a:buClr>
+              <a:buSzPts val="1500"/>
+              <a:buFont typeface="Source Sans Pro Light"/>
+              <a:buChar char="●"/>
+            </a:pPr>
+            <a:r>
+              <a:rPr lang="en-US" sz="1800" dirty="0">
+                <a:solidFill>
+                  <a:srgbClr val="000000"/>
+                </a:solidFill>
+                <a:latin typeface="Calibri" panose="020F0502020204030204" pitchFamily="34" charset="0"/>
+                <a:ea typeface="Calibri" panose="020F0502020204030204" pitchFamily="34" charset="0"/>
+                <a:cs typeface="Calibri" panose="020F0502020204030204" pitchFamily="34" charset="0"/>
+                <a:sym typeface="Source Sans Pro Light"/>
+              </a:rPr>
+              <a:t>Securing a home loan</a:t>
+            </a:r>
+          </a:p>
+          <a:p>
+            <a:pPr marL="457200" marR="0" lvl="0" indent="-323850" algn="l" rtl="0">
+              <a:lnSpc>
+                <a:spcPct val="115000"/>
+              </a:lnSpc>
+              <a:spcBef>
+                <a:spcPts val="0"/>
+              </a:spcBef>
+              <a:spcAft>
+                <a:spcPts val="0"/>
+              </a:spcAft>
+              <a:buClr>
+                <a:srgbClr val="000000"/>
+              </a:buClr>
+              <a:buSzPts val="1500"/>
+              <a:buFont typeface="Source Sans Pro Light"/>
+              <a:buChar char="●"/>
+            </a:pPr>
+            <a:r>
+              <a:rPr lang="en-US" sz="1800" dirty="0">
+                <a:solidFill>
+                  <a:srgbClr val="000000"/>
+                </a:solidFill>
+                <a:latin typeface="Calibri" panose="020F0502020204030204" pitchFamily="34" charset="0"/>
+                <a:ea typeface="Calibri" panose="020F0502020204030204" pitchFamily="34" charset="0"/>
+                <a:cs typeface="Calibri" panose="020F0502020204030204" pitchFamily="34" charset="0"/>
+                <a:sym typeface="Source Sans Pro Light"/>
+              </a:rPr>
+              <a:t>Seeking education funding</a:t>
+            </a:r>
+          </a:p>
+          <a:p>
+            <a:pPr marL="457200" marR="0" lvl="0" indent="-323850" algn="l" rtl="0">
+              <a:lnSpc>
+                <a:spcPct val="115000"/>
+              </a:lnSpc>
+              <a:spcBef>
+                <a:spcPts val="0"/>
+              </a:spcBef>
+              <a:spcAft>
+                <a:spcPts val="0"/>
+              </a:spcAft>
+              <a:buClr>
+                <a:srgbClr val="000000"/>
+              </a:buClr>
+              <a:buSzPts val="1500"/>
+              <a:buFont typeface="Source Sans Pro Light"/>
+              <a:buChar char="●"/>
+            </a:pPr>
+            <a:r>
+              <a:rPr lang="en-US" sz="1800" dirty="0">
+                <a:solidFill>
+                  <a:srgbClr val="000000"/>
+                </a:solidFill>
+                <a:latin typeface="Calibri" panose="020F0502020204030204" pitchFamily="34" charset="0"/>
+                <a:ea typeface="Calibri" panose="020F0502020204030204" pitchFamily="34" charset="0"/>
+                <a:cs typeface="Calibri" panose="020F0502020204030204" pitchFamily="34" charset="0"/>
+                <a:sym typeface="Source Sans Pro Light"/>
+              </a:rPr>
+              <a:t>Job placement services</a:t>
+            </a:r>
+          </a:p>
+          <a:p>
+            <a:pPr marL="457200" marR="0" lvl="0" indent="-323850" algn="l" rtl="0">
+              <a:lnSpc>
+                <a:spcPct val="115000"/>
+              </a:lnSpc>
+              <a:spcBef>
+                <a:spcPts val="0"/>
+              </a:spcBef>
+              <a:spcAft>
+                <a:spcPts val="0"/>
+              </a:spcAft>
+              <a:buClr>
+                <a:srgbClr val="000000"/>
+              </a:buClr>
+              <a:buSzPts val="1500"/>
+              <a:buFont typeface="Source Sans Pro Light"/>
+              <a:buChar char="●"/>
+            </a:pPr>
+            <a:r>
+              <a:rPr lang="en-US" sz="1800" dirty="0">
+                <a:solidFill>
+                  <a:srgbClr val="000000"/>
+                </a:solidFill>
+                <a:latin typeface="Calibri" panose="020F0502020204030204" pitchFamily="34" charset="0"/>
+                <a:ea typeface="Calibri" panose="020F0502020204030204" pitchFamily="34" charset="0"/>
+                <a:cs typeface="Calibri" panose="020F0502020204030204" pitchFamily="34" charset="0"/>
+                <a:sym typeface="Source Sans Pro Light"/>
+              </a:rPr>
+              <a:t> Forms assistance</a:t>
+            </a:r>
+          </a:p>
+          <a:p>
+            <a:pPr marL="457200" marR="0" lvl="0" indent="-323850" algn="l" rtl="0">
+              <a:lnSpc>
+                <a:spcPct val="115000"/>
+              </a:lnSpc>
+              <a:spcBef>
+                <a:spcPts val="0"/>
+              </a:spcBef>
+              <a:spcAft>
+                <a:spcPts val="0"/>
+              </a:spcAft>
+              <a:buClr>
+                <a:srgbClr val="000000"/>
+              </a:buClr>
+              <a:buSzPts val="1500"/>
+              <a:buFont typeface="Source Sans Pro Light"/>
+              <a:buChar char="●"/>
+            </a:pPr>
+            <a:r>
+              <a:rPr lang="en-US" sz="1800" dirty="0">
+                <a:solidFill>
+                  <a:srgbClr val="000000"/>
+                </a:solidFill>
+                <a:latin typeface="Calibri" panose="020F0502020204030204" pitchFamily="34" charset="0"/>
+                <a:ea typeface="Calibri" panose="020F0502020204030204" pitchFamily="34" charset="0"/>
+                <a:cs typeface="Calibri" panose="020F0502020204030204" pitchFamily="34" charset="0"/>
+                <a:sym typeface="Source Sans Pro Light"/>
+              </a:rPr>
+              <a:t>Determining access to mental healthcare benefits</a:t>
+            </a:r>
+            <a:endParaRPr sz="1800" dirty="0">
+              <a:latin typeface="Calibri" panose="020F0502020204030204" pitchFamily="34" charset="0"/>
+              <a:ea typeface="Calibri" panose="020F0502020204030204" pitchFamily="34" charset="0"/>
+              <a:cs typeface="Calibri" panose="020F0502020204030204" pitchFamily="34" charset="0"/>
+            </a:endParaRPr>
+          </a:p>
+        </p:txBody>
+      </p:sp>
+      <p:pic>
+        <p:nvPicPr>
+          <p:cNvPr id="2" name="Google Shape;271;p37">
+            <a:extLst>
+              <a:ext uri="{FF2B5EF4-FFF2-40B4-BE49-F238E27FC236}">
+                <a16:creationId xmlns:a16="http://schemas.microsoft.com/office/drawing/2014/main" id="{1D5C7827-5970-BEB1-080A-F3D9617081D6}"/>
+              </a:ext>
+            </a:extLst>
+          </p:cNvPr>
+          <p:cNvPicPr preferRelativeResize="0"/>
+          <p:nvPr/>
+        </p:nvPicPr>
+        <p:blipFill>
+          <a:blip r:embed="rId3">
+            <a:alphaModFix/>
+          </a:blip>
+          <a:stretch>
+            <a:fillRect/>
+          </a:stretch>
+        </p:blipFill>
+        <p:spPr>
+          <a:xfrm>
+            <a:off x="6767312" y="4461098"/>
+            <a:ext cx="1919475" cy="487261"/>
+          </a:xfrm>
+          <a:prstGeom prst="rect">
+            <a:avLst/>
+          </a:prstGeom>
+          <a:noFill/>
+          <a:ln>
+            <a:noFill/>
+          </a:ln>
+        </p:spPr>
+      </p:pic>
+    </p:spTree>
+    <p:extLst>
+      <p:ext uri="{BB962C8B-B14F-4D97-AF65-F5344CB8AC3E}">
+        <p14:creationId xmlns:p14="http://schemas.microsoft.com/office/powerpoint/2010/main" val="3481062444"/>
+      </p:ext>
+    </p:extLst>
+  </p:cSld>
+  <p:clrMapOvr>
+    <a:masterClrMapping/>
+  </p:clrMapOvr>
+</p:sld>
+</file>
+
+<file path=ppt/slides/slide16.xml><?xml version="1.0" encoding="utf-8"?>
+<p:sld xmlns:a="http://schemas.openxmlformats.org/drawingml/2006/main" xmlns:r="http://schemas.openxmlformats.org/officeDocument/2006/relationships" xmlns:p="http://schemas.openxmlformats.org/presentationml/2006/main">
+  <p:cSld>
+    <p:spTree>
+      <p:nvGrpSpPr>
         <p:cNvPr id="1" name="Shape 270"/>
         <p:cNvGrpSpPr/>
         <p:nvPr/>
@@ -26151,7 +26743,7 @@
 </p:sld>
 </file>
 
-<file path=ppt/slides/slide16.xml><?xml version="1.0" encoding="utf-8"?>
+<file path=ppt/slides/slide17.xml><?xml version="1.0" encoding="utf-8"?>
 <p:sld xmlns:a="http://schemas.openxmlformats.org/drawingml/2006/main" xmlns:r="http://schemas.openxmlformats.org/officeDocument/2006/relationships" xmlns:p="http://schemas.openxmlformats.org/presentationml/2006/main">
   <p:cSld>
     <p:spTree>
@@ -32509,7 +33101,7 @@
                 <a:cs typeface="Calibri" panose="020F0502020204030204" pitchFamily="34" charset="0"/>
                 <a:sym typeface="Source Sans Pro Light"/>
               </a:rPr>
-              <a:t>When Veterans couldn’t complete every step in the process themselves, they had confidence that  the in-office staff could help them figure out next step(s)</a:t>
+              <a:t>When Veterans couldn’t complete every step in the process themselves, they had confidence that the in-office staff could help them figure out next step(s)</a:t>
             </a:r>
             <a:endParaRPr sz="1600" dirty="0">
               <a:latin typeface="Calibri" panose="020F0502020204030204" pitchFamily="34" charset="0"/>
